--- a/ThuyetTrinhQuanLyChiTieu.pptx
+++ b/ThuyetTrinhQuanLyChiTieu.pptx
@@ -267,6 +267,11 @@
       </a:defRPr>
     </a:lvl9pPr>
   </p:defaultTextStyle>
+  <p:extLst>
+    <p:ext uri="{EFAFB233-063F-42B5-8137-9DF3F51BA10A}">
+      <p15:sldGuideLst xmlns:p15="http://schemas.microsoft.com/office/powerpoint/2012/main"/>
+    </p:ext>
+  </p:extLst>
 </p:presentation>
 </file>
 
@@ -36051,7 +36056,7 @@
         <p:fade thruBlk="1"/>
       </p:transition>
     </mc:Choice>
-    <mc:Fallback xmlns:ahyp="http://schemas.microsoft.com/office/drawing/2018/hyperlinkcolor" xmlns:p15="http://schemas.microsoft.com/office/powerpoint/2012/main" xmlns:com="http://schemas.openxmlformats.org/drawingml/2006/compatibility" xmlns:pvml="urn:schemas-microsoft-com:office:powerpoint" xmlns:v="urn:schemas-microsoft-com:vml" xmlns:o="urn:schemas-microsoft-com:office:office" xmlns:dgm="http://schemas.openxmlformats.org/drawingml/2006/diagram" xmlns:c="http://schemas.openxmlformats.org/drawingml/2006/chart" xmlns:mv="urn:schemas-microsoft-com:mac:vml" xmlns="">
+    <mc:Fallback xmlns="" xmlns:mv="urn:schemas-microsoft-com:mac:vml" xmlns:c="http://schemas.openxmlformats.org/drawingml/2006/chart" xmlns:dgm="http://schemas.openxmlformats.org/drawingml/2006/diagram" xmlns:o="urn:schemas-microsoft-com:office:office" xmlns:v="urn:schemas-microsoft-com:vml" xmlns:pvml="urn:schemas-microsoft-com:office:powerpoint" xmlns:com="http://schemas.openxmlformats.org/drawingml/2006/compatibility" xmlns:p15="http://schemas.microsoft.com/office/powerpoint/2012/main" xmlns:ahyp="http://schemas.microsoft.com/office/drawing/2018/hyperlinkcolor">
       <p:transition spd="slow">
         <p:fade/>
       </p:transition>
@@ -39881,7 +39886,7 @@
                 <a:latin typeface="Manjari" panose="020B0604020202020204" charset="0"/>
                 <a:cs typeface="Manjari" panose="020B0604020202020204" charset="0"/>
               </a:rPr>
-              <a:t>, NameExType, UserId).</a:t>
+              <a:t>, NameExType, UserId, isActive).</a:t>
             </a:r>
           </a:p>
           <a:p>
@@ -39937,7 +39942,7 @@
                 <a:latin typeface="Manjari" panose="020B0604020202020204" charset="0"/>
                 <a:cs typeface="Manjari" panose="020B0604020202020204" charset="0"/>
               </a:rPr>
-              <a:t>, NameInType, UserId).</a:t>
+              <a:t>, NameInType, UserId, isActive).</a:t>
             </a:r>
           </a:p>
           <a:p>
@@ -40626,10 +40631,10 @@
       </p:sp>
       <p:pic>
         <p:nvPicPr>
-          <p:cNvPr id="3" name="Picture 2">
+          <p:cNvPr id="4" name="Picture 3">
             <a:extLst>
               <a:ext uri="{FF2B5EF4-FFF2-40B4-BE49-F238E27FC236}">
-                <a16:creationId xmlns:a16="http://schemas.microsoft.com/office/drawing/2014/main" id="{411CEFF3-9C0C-AB37-73E7-56DE0E8FDC1A}"/>
+                <a16:creationId xmlns:a16="http://schemas.microsoft.com/office/drawing/2014/main" id="{DF989A0E-FB29-78E3-B6D1-26D5DCF9E2D6}"/>
               </a:ext>
             </a:extLst>
           </p:cNvPr>
@@ -40646,8 +40651,8 @@
         </p:blipFill>
         <p:spPr>
           <a:xfrm>
-            <a:off x="2251571" y="1064525"/>
-            <a:ext cx="5002215" cy="3993704"/>
+            <a:off x="2395047" y="1064525"/>
+            <a:ext cx="4886034" cy="3719607"/>
           </a:xfrm>
           <a:prstGeom prst="rect">
             <a:avLst/>
@@ -40659,92 +40664,6 @@
   <p:clrMapOvr>
     <a:masterClrMapping/>
   </p:clrMapOvr>
-  <p:timing>
-    <p:tnLst>
-      <p:par>
-        <p:cTn id="1" dur="indefinite" restart="never" nodeType="tmRoot">
-          <p:childTnLst>
-            <p:seq concurrent="1" nextAc="seek">
-              <p:cTn id="2" dur="indefinite" nodeType="mainSeq">
-                <p:childTnLst>
-                  <p:par>
-                    <p:cTn id="3" fill="hold">
-                      <p:stCondLst>
-                        <p:cond delay="indefinite"/>
-                        <p:cond evt="onBegin" delay="0">
-                          <p:tn val="2"/>
-                        </p:cond>
-                      </p:stCondLst>
-                      <p:childTnLst>
-                        <p:par>
-                          <p:cTn id="4" fill="hold">
-                            <p:stCondLst>
-                              <p:cond delay="0"/>
-                            </p:stCondLst>
-                            <p:childTnLst>
-                              <p:par>
-                                <p:cTn id="5" presetID="22" presetClass="entr" presetSubtype="4" fill="hold" nodeType="withEffect">
-                                  <p:stCondLst>
-                                    <p:cond delay="0"/>
-                                  </p:stCondLst>
-                                  <p:childTnLst>
-                                    <p:set>
-                                      <p:cBhvr>
-                                        <p:cTn id="6" dur="1" fill="hold">
-                                          <p:stCondLst>
-                                            <p:cond delay="0"/>
-                                          </p:stCondLst>
-                                        </p:cTn>
-                                        <p:tgtEl>
-                                          <p:spTgt spid="3"/>
-                                        </p:tgtEl>
-                                        <p:attrNameLst>
-                                          <p:attrName>style.visibility</p:attrName>
-                                        </p:attrNameLst>
-                                      </p:cBhvr>
-                                      <p:to>
-                                        <p:strVal val="visible"/>
-                                      </p:to>
-                                    </p:set>
-                                    <p:animEffect transition="in" filter="wipe(down)">
-                                      <p:cBhvr>
-                                        <p:cTn id="7" dur="500"/>
-                                        <p:tgtEl>
-                                          <p:spTgt spid="3"/>
-                                        </p:tgtEl>
-                                      </p:cBhvr>
-                                    </p:animEffect>
-                                  </p:childTnLst>
-                                </p:cTn>
-                              </p:par>
-                            </p:childTnLst>
-                          </p:cTn>
-                        </p:par>
-                      </p:childTnLst>
-                    </p:cTn>
-                  </p:par>
-                </p:childTnLst>
-              </p:cTn>
-              <p:prevCondLst>
-                <p:cond evt="onPrev" delay="0">
-                  <p:tgtEl>
-                    <p:sldTgt/>
-                  </p:tgtEl>
-                </p:cond>
-              </p:prevCondLst>
-              <p:nextCondLst>
-                <p:cond evt="onNext" delay="0">
-                  <p:tgtEl>
-                    <p:sldTgt/>
-                  </p:tgtEl>
-                </p:cond>
-              </p:nextCondLst>
-            </p:seq>
-          </p:childTnLst>
-        </p:cTn>
-      </p:par>
-    </p:tnLst>
-  </p:timing>
 </p:sld>
 </file>
 
